--- a/donmin/프레젠테이션1.pptx
+++ b/donmin/프레젠테이션1.pptx
@@ -129,6 +129,953 @@
     </p:ext>
   </p:extLst>
 </p:presentation>
+</file>
+
+<file path=ppt/charts/chart1.xml><?xml version="1.0" encoding="utf-8"?>
+<c:chartSpace xmlns:c="http://schemas.openxmlformats.org/drawingml/2006/chart" xmlns:a="http://schemas.openxmlformats.org/drawingml/2006/main" xmlns:r="http://schemas.openxmlformats.org/officeDocument/2006/relationships" xmlns:c16r2="http://schemas.microsoft.com/office/drawing/2015/06/chart">
+  <c:date1904 val="0"/>
+  <c:lang val="ko-KR"/>
+  <c:roundedCorners val="0"/>
+  <mc:AlternateContent xmlns:mc="http://schemas.openxmlformats.org/markup-compatibility/2006">
+    <mc:Choice xmlns:c14="http://schemas.microsoft.com/office/drawing/2007/8/2/chart" Requires="c14">
+      <c14:style val="102"/>
+    </mc:Choice>
+    <mc:Fallback>
+      <c:style val="2"/>
+    </mc:Fallback>
+  </mc:AlternateContent>
+  <c:chart>
+    <c:autoTitleDeleted val="1"/>
+    <c:view3D>
+      <c:rotX val="50"/>
+      <c:rotY val="0"/>
+      <c:depthPercent val="100"/>
+      <c:rAngAx val="0"/>
+    </c:view3D>
+    <c:floor>
+      <c:thickness val="0"/>
+      <c:spPr>
+        <a:noFill/>
+        <a:ln>
+          <a:noFill/>
+        </a:ln>
+        <a:effectLst/>
+        <a:sp3d/>
+      </c:spPr>
+    </c:floor>
+    <c:sideWall>
+      <c:thickness val="0"/>
+      <c:spPr>
+        <a:noFill/>
+        <a:ln>
+          <a:noFill/>
+        </a:ln>
+        <a:effectLst/>
+        <a:sp3d/>
+      </c:spPr>
+    </c:sideWall>
+    <c:backWall>
+      <c:thickness val="0"/>
+      <c:spPr>
+        <a:noFill/>
+        <a:ln>
+          <a:noFill/>
+        </a:ln>
+        <a:effectLst/>
+        <a:sp3d/>
+      </c:spPr>
+    </c:backWall>
+    <c:plotArea>
+      <c:layout>
+        <c:manualLayout>
+          <c:layoutTarget val="inner"/>
+          <c:xMode val="edge"/>
+          <c:yMode val="edge"/>
+          <c:x val="0.15877636821829338"/>
+          <c:y val="0.49569083717701351"/>
+          <c:w val="0.83366285234274029"/>
+          <c:h val="0.50430916282298643"/>
+        </c:manualLayout>
+      </c:layout>
+      <c:pie3DChart>
+        <c:varyColors val="1"/>
+        <c:ser>
+          <c:idx val="0"/>
+          <c:order val="0"/>
+          <c:tx>
+            <c:strRef>
+              <c:f>Sheet1!$B$1</c:f>
+              <c:strCache>
+                <c:ptCount val="1"/>
+                <c:pt idx="0">
+                  <c:v>판매</c:v>
+                </c:pt>
+              </c:strCache>
+            </c:strRef>
+          </c:tx>
+          <c:dPt>
+            <c:idx val="0"/>
+            <c:bubble3D val="0"/>
+            <c:spPr>
+              <a:solidFill>
+                <a:srgbClr val="F1F484">
+                  <a:alpha val="89804"/>
+                </a:srgbClr>
+              </a:solidFill>
+              <a:ln w="19050">
+                <a:solidFill>
+                  <a:schemeClr val="accent1">
+                    <a:lumMod val="75000"/>
+                  </a:schemeClr>
+                </a:solidFill>
+              </a:ln>
+              <a:effectLst>
+                <a:innerShdw blurRad="114300">
+                  <a:schemeClr val="accent1">
+                    <a:lumMod val="75000"/>
+                  </a:schemeClr>
+                </a:innerShdw>
+              </a:effectLst>
+              <a:scene3d>
+                <a:camera prst="orthographicFront"/>
+                <a:lightRig rig="threePt" dir="t"/>
+              </a:scene3d>
+              <a:sp3d contourW="19050" prstMaterial="flat">
+                <a:contourClr>
+                  <a:schemeClr val="accent1">
+                    <a:lumMod val="75000"/>
+                  </a:schemeClr>
+                </a:contourClr>
+              </a:sp3d>
+            </c:spPr>
+            <c:extLst>
+              <c:ext xmlns:c16="http://schemas.microsoft.com/office/drawing/2014/chart" uri="{C3380CC4-5D6E-409C-BE32-E72D297353CC}">
+                <c16:uniqueId val="{00000004-3950-4C7B-88EA-401B0169AF46}"/>
+              </c:ext>
+            </c:extLst>
+          </c:dPt>
+          <c:dPt>
+            <c:idx val="1"/>
+            <c:bubble3D val="0"/>
+            <c:explosion val="13"/>
+            <c:spPr>
+              <a:solidFill>
+                <a:srgbClr val="E5F82C">
+                  <a:alpha val="89804"/>
+                </a:srgbClr>
+              </a:solidFill>
+              <a:ln w="19050">
+                <a:solidFill>
+                  <a:schemeClr val="accent2">
+                    <a:lumMod val="75000"/>
+                  </a:schemeClr>
+                </a:solidFill>
+              </a:ln>
+              <a:effectLst>
+                <a:innerShdw blurRad="114300">
+                  <a:schemeClr val="accent2">
+                    <a:lumMod val="75000"/>
+                  </a:schemeClr>
+                </a:innerShdw>
+              </a:effectLst>
+              <a:scene3d>
+                <a:camera prst="orthographicFront"/>
+                <a:lightRig rig="threePt" dir="t"/>
+              </a:scene3d>
+              <a:sp3d contourW="19050" prstMaterial="flat">
+                <a:contourClr>
+                  <a:schemeClr val="accent2">
+                    <a:lumMod val="75000"/>
+                  </a:schemeClr>
+                </a:contourClr>
+              </a:sp3d>
+            </c:spPr>
+            <c:extLst>
+              <c:ext xmlns:c16="http://schemas.microsoft.com/office/drawing/2014/chart" uri="{C3380CC4-5D6E-409C-BE32-E72D297353CC}">
+                <c16:uniqueId val="{00000002-3950-4C7B-88EA-401B0169AF46}"/>
+              </c:ext>
+            </c:extLst>
+          </c:dPt>
+          <c:dPt>
+            <c:idx val="2"/>
+            <c:bubble3D val="0"/>
+            <c:explosion val="27"/>
+            <c:spPr>
+              <a:solidFill>
+                <a:srgbClr val="E9E911">
+                  <a:alpha val="89804"/>
+                </a:srgbClr>
+              </a:solidFill>
+              <a:ln w="19050">
+                <a:solidFill>
+                  <a:schemeClr val="accent3">
+                    <a:lumMod val="75000"/>
+                  </a:schemeClr>
+                </a:solidFill>
+              </a:ln>
+              <a:effectLst>
+                <a:innerShdw blurRad="114300">
+                  <a:schemeClr val="accent3">
+                    <a:lumMod val="75000"/>
+                  </a:schemeClr>
+                </a:innerShdw>
+              </a:effectLst>
+              <a:scene3d>
+                <a:camera prst="orthographicFront"/>
+                <a:lightRig rig="threePt" dir="t"/>
+              </a:scene3d>
+              <a:sp3d contourW="19050" prstMaterial="flat">
+                <a:contourClr>
+                  <a:schemeClr val="accent3">
+                    <a:lumMod val="75000"/>
+                  </a:schemeClr>
+                </a:contourClr>
+              </a:sp3d>
+            </c:spPr>
+            <c:extLst>
+              <c:ext xmlns:c16="http://schemas.microsoft.com/office/drawing/2014/chart" uri="{C3380CC4-5D6E-409C-BE32-E72D297353CC}">
+                <c16:uniqueId val="{00000001-3950-4C7B-88EA-401B0169AF46}"/>
+              </c:ext>
+            </c:extLst>
+          </c:dPt>
+          <c:dPt>
+            <c:idx val="3"/>
+            <c:bubble3D val="0"/>
+            <c:spPr>
+              <a:solidFill>
+                <a:schemeClr val="accent4">
+                  <a:alpha val="90000"/>
+                </a:schemeClr>
+              </a:solidFill>
+              <a:ln w="19050">
+                <a:solidFill>
+                  <a:schemeClr val="accent4">
+                    <a:lumMod val="75000"/>
+                  </a:schemeClr>
+                </a:solidFill>
+              </a:ln>
+              <a:effectLst>
+                <a:innerShdw blurRad="114300">
+                  <a:schemeClr val="accent4">
+                    <a:lumMod val="75000"/>
+                  </a:schemeClr>
+                </a:innerShdw>
+              </a:effectLst>
+              <a:scene3d>
+                <a:camera prst="orthographicFront"/>
+                <a:lightRig rig="threePt" dir="t"/>
+              </a:scene3d>
+              <a:sp3d contourW="19050" prstMaterial="flat">
+                <a:contourClr>
+                  <a:schemeClr val="accent4">
+                    <a:lumMod val="75000"/>
+                  </a:schemeClr>
+                </a:contourClr>
+              </a:sp3d>
+            </c:spPr>
+          </c:dPt>
+          <c:dLbls>
+            <c:delete val="1"/>
+          </c:dLbls>
+          <c:cat>
+            <c:strRef>
+              <c:f>Sheet1!$A$2:$A$5</c:f>
+              <c:strCache>
+                <c:ptCount val="4"/>
+                <c:pt idx="0">
+                  <c:v>1분기</c:v>
+                </c:pt>
+                <c:pt idx="1">
+                  <c:v>2분기</c:v>
+                </c:pt>
+                <c:pt idx="2">
+                  <c:v>3분기</c:v>
+                </c:pt>
+                <c:pt idx="3">
+                  <c:v>4분기</c:v>
+                </c:pt>
+              </c:strCache>
+            </c:strRef>
+          </c:cat>
+          <c:val>
+            <c:numRef>
+              <c:f>Sheet1!$B$2:$B$5</c:f>
+              <c:numCache>
+                <c:formatCode>General</c:formatCode>
+                <c:ptCount val="4"/>
+                <c:pt idx="0">
+                  <c:v>8.1999999999999993</c:v>
+                </c:pt>
+                <c:pt idx="1">
+                  <c:v>3.2</c:v>
+                </c:pt>
+                <c:pt idx="2">
+                  <c:v>1.4</c:v>
+                </c:pt>
+                <c:pt idx="3">
+                  <c:v>1.2</c:v>
+                </c:pt>
+              </c:numCache>
+            </c:numRef>
+          </c:val>
+          <c:extLst>
+            <c:ext xmlns:c16="http://schemas.microsoft.com/office/drawing/2014/chart" uri="{C3380CC4-5D6E-409C-BE32-E72D297353CC}">
+              <c16:uniqueId val="{00000000-3950-4C7B-88EA-401B0169AF46}"/>
+            </c:ext>
+          </c:extLst>
+        </c:ser>
+        <c:dLbls>
+          <c:dLblPos val="inEnd"/>
+          <c:showLegendKey val="0"/>
+          <c:showVal val="0"/>
+          <c:showCatName val="1"/>
+          <c:showSerName val="0"/>
+          <c:showPercent val="0"/>
+          <c:showBubbleSize val="0"/>
+          <c:showLeaderLines val="1"/>
+        </c:dLbls>
+      </c:pie3DChart>
+      <c:spPr>
+        <a:noFill/>
+        <a:ln>
+          <a:noFill/>
+        </a:ln>
+        <a:effectLst/>
+      </c:spPr>
+    </c:plotArea>
+    <c:plotVisOnly val="1"/>
+    <c:dispBlanksAs val="gap"/>
+    <c:showDLblsOverMax val="0"/>
+  </c:chart>
+  <c:spPr>
+    <a:noFill/>
+    <a:ln>
+      <a:noFill/>
+    </a:ln>
+    <a:effectLst/>
+  </c:spPr>
+  <c:txPr>
+    <a:bodyPr/>
+    <a:lstStyle/>
+    <a:p>
+      <a:pPr>
+        <a:defRPr/>
+      </a:pPr>
+      <a:endParaRPr lang="ko-KR"/>
+    </a:p>
+  </c:txPr>
+  <c:externalData r:id="rId3">
+    <c:autoUpdate val="0"/>
+  </c:externalData>
+</c:chartSpace>
+</file>
+
+<file path=ppt/charts/colors1.xml><?xml version="1.0" encoding="utf-8"?>
+<cs:colorStyle xmlns:cs="http://schemas.microsoft.com/office/drawing/2012/chartStyle" xmlns:a="http://schemas.openxmlformats.org/drawingml/2006/main" meth="cycle" id="10">
+  <a:schemeClr val="accent1"/>
+  <a:schemeClr val="accent2"/>
+  <a:schemeClr val="accent3"/>
+  <a:schemeClr val="accent4"/>
+  <a:schemeClr val="accent5"/>
+  <a:schemeClr val="accent6"/>
+  <cs:variation/>
+  <cs:variation>
+    <a:lumMod val="60000"/>
+  </cs:variation>
+  <cs:variation>
+    <a:lumMod val="80000"/>
+    <a:lumOff val="20000"/>
+  </cs:variation>
+  <cs:variation>
+    <a:lumMod val="80000"/>
+  </cs:variation>
+  <cs:variation>
+    <a:lumMod val="60000"/>
+    <a:lumOff val="40000"/>
+  </cs:variation>
+  <cs:variation>
+    <a:lumMod val="50000"/>
+  </cs:variation>
+  <cs:variation>
+    <a:lumMod val="70000"/>
+    <a:lumOff val="30000"/>
+  </cs:variation>
+  <cs:variation>
+    <a:lumMod val="70000"/>
+  </cs:variation>
+  <cs:variation>
+    <a:lumMod val="50000"/>
+    <a:lumOff val="50000"/>
+  </cs:variation>
+</cs:colorStyle>
+</file>
+
+<file path=ppt/charts/style1.xml><?xml version="1.0" encoding="utf-8"?>
+<cs:chartStyle xmlns:cs="http://schemas.microsoft.com/office/drawing/2012/chartStyle" xmlns:a="http://schemas.openxmlformats.org/drawingml/2006/main" id="263">
+  <cs:axisTitle>
+    <cs:lnRef idx="0"/>
+    <cs:fillRef idx="0"/>
+    <cs:effectRef idx="0"/>
+    <cs:fontRef idx="minor">
+      <a:schemeClr val="tx1">
+        <a:lumMod val="50000"/>
+        <a:lumOff val="50000"/>
+      </a:schemeClr>
+    </cs:fontRef>
+    <cs:defRPr sz="1197" kern="1200"/>
+  </cs:axisTitle>
+  <cs:categoryAxis>
+    <cs:lnRef idx="0"/>
+    <cs:fillRef idx="0"/>
+    <cs:effectRef idx="0"/>
+    <cs:fontRef idx="minor">
+      <a:schemeClr val="tx1">
+        <a:lumMod val="65000"/>
+        <a:lumOff val="35000"/>
+      </a:schemeClr>
+    </cs:fontRef>
+    <cs:spPr>
+      <a:ln w="15875" cap="flat" cmpd="sng" algn="ctr">
+        <a:solidFill>
+          <a:schemeClr val="tx1">
+            <a:lumMod val="25000"/>
+            <a:lumOff val="75000"/>
+          </a:schemeClr>
+        </a:solidFill>
+        <a:round/>
+      </a:ln>
+    </cs:spPr>
+    <cs:defRPr sz="1197" kern="1200"/>
+  </cs:categoryAxis>
+  <cs:chartArea mods="allowNoFillOverride allowNoLineOverride">
+    <cs:lnRef idx="0"/>
+    <cs:fillRef idx="0"/>
+    <cs:effectRef idx="0"/>
+    <cs:fontRef idx="minor">
+      <a:schemeClr val="tx1"/>
+    </cs:fontRef>
+    <cs:spPr>
+      <a:solidFill>
+        <a:schemeClr val="bg1"/>
+      </a:solidFill>
+      <a:ln w="9525" cap="flat" cmpd="sng" algn="ctr">
+        <a:solidFill>
+          <a:schemeClr val="tx1">
+            <a:lumMod val="15000"/>
+            <a:lumOff val="85000"/>
+          </a:schemeClr>
+        </a:solidFill>
+        <a:round/>
+      </a:ln>
+    </cs:spPr>
+    <cs:defRPr sz="1330" kern="1200"/>
+  </cs:chartArea>
+  <cs:dataLabel>
+    <cs:lnRef idx="0">
+      <cs:styleClr val="auto"/>
+    </cs:lnRef>
+    <cs:fillRef idx="0"/>
+    <cs:effectRef idx="0">
+      <cs:styleClr val="auto"/>
+    </cs:effectRef>
+    <cs:fontRef idx="minor">
+      <cs:styleClr val="auto"/>
+    </cs:fontRef>
+    <cs:spPr>
+      <a:solidFill>
+        <a:schemeClr val="lt1">
+          <a:alpha val="90000"/>
+        </a:schemeClr>
+      </a:solidFill>
+      <a:ln w="12700" cap="flat" cmpd="sng" algn="ctr">
+        <a:solidFill>
+          <a:schemeClr val="phClr"/>
+        </a:solidFill>
+        <a:round/>
+      </a:ln>
+      <a:effectLst>
+        <a:outerShdw blurRad="50800" dist="38100" dir="2700000" algn="tl" rotWithShape="0">
+          <a:schemeClr val="phClr">
+            <a:lumMod val="75000"/>
+            <a:alpha val="40000"/>
+          </a:schemeClr>
+        </a:outerShdw>
+      </a:effectLst>
+    </cs:spPr>
+    <cs:defRPr sz="1330" b="0" i="0" u="none" strike="noStrike" kern="1200" baseline="0">
+      <a:effectLst/>
+    </cs:defRPr>
+    <cs:bodyPr rot="0" spcFirstLastPara="1" vertOverflow="clip" horzOverflow="clip" vert="horz" wrap="square" lIns="38100" tIns="19050" rIns="38100" bIns="19050" anchor="ctr" anchorCtr="1">
+      <a:spAutoFit/>
+    </cs:bodyPr>
+  </cs:dataLabel>
+  <cs:dataLabelCallout>
+    <cs:lnRef idx="0">
+      <cs:styleClr val="auto"/>
+    </cs:lnRef>
+    <cs:fillRef idx="0"/>
+    <cs:effectRef idx="0">
+      <cs:styleClr val="auto"/>
+    </cs:effectRef>
+    <cs:fontRef idx="minor">
+      <cs:styleClr val="auto"/>
+    </cs:fontRef>
+    <cs:spPr>
+      <a:solidFill>
+        <a:schemeClr val="lt1">
+          <a:alpha val="90000"/>
+        </a:schemeClr>
+      </a:solidFill>
+      <a:ln w="12700" cap="flat" cmpd="sng" algn="ctr">
+        <a:solidFill>
+          <a:schemeClr val="phClr"/>
+        </a:solidFill>
+        <a:round/>
+      </a:ln>
+      <a:effectLst>
+        <a:outerShdw blurRad="50800" dist="38100" dir="2700000" algn="tl" rotWithShape="0">
+          <a:schemeClr val="phClr">
+            <a:lumMod val="75000"/>
+            <a:alpha val="40000"/>
+          </a:schemeClr>
+        </a:outerShdw>
+      </a:effectLst>
+    </cs:spPr>
+    <cs:defRPr sz="1330" b="0" i="0" u="none" strike="noStrike" kern="1200" baseline="0">
+      <a:effectLst/>
+    </cs:defRPr>
+    <cs:bodyPr rot="0" spcFirstLastPara="1" vertOverflow="clip" horzOverflow="clip" vert="horz" wrap="square" lIns="36576" tIns="18288" rIns="36576" bIns="18288" anchor="ctr" anchorCtr="1">
+      <a:spAutoFit/>
+    </cs:bodyPr>
+  </cs:dataLabelCallout>
+  <cs:dataPoint>
+    <cs:lnRef idx="0"/>
+    <cs:fillRef idx="0">
+      <cs:styleClr val="auto"/>
+    </cs:fillRef>
+    <cs:effectRef idx="0"/>
+    <cs:fontRef idx="minor">
+      <a:schemeClr val="tx1"/>
+    </cs:fontRef>
+    <cs:spPr>
+      <a:solidFill>
+        <a:schemeClr val="phClr">
+          <a:alpha val="70000"/>
+        </a:schemeClr>
+      </a:solidFill>
+    </cs:spPr>
+  </cs:dataPoint>
+  <cs:dataPoint3D>
+    <cs:lnRef idx="0">
+      <cs:styleClr val="auto"/>
+    </cs:lnRef>
+    <cs:fillRef idx="0">
+      <cs:styleClr val="auto"/>
+    </cs:fillRef>
+    <cs:effectRef idx="0">
+      <cs:styleClr val="auto"/>
+    </cs:effectRef>
+    <cs:fontRef idx="minor">
+      <a:schemeClr val="tx1"/>
+    </cs:fontRef>
+    <cs:spPr>
+      <a:solidFill>
+        <a:schemeClr val="phClr">
+          <a:alpha val="90000"/>
+        </a:schemeClr>
+      </a:solidFill>
+      <a:ln w="19050">
+        <a:solidFill>
+          <a:schemeClr val="phClr">
+            <a:lumMod val="75000"/>
+          </a:schemeClr>
+        </a:solidFill>
+      </a:ln>
+      <a:effectLst>
+        <a:innerShdw blurRad="114300">
+          <a:schemeClr val="phClr">
+            <a:lumMod val="75000"/>
+          </a:schemeClr>
+        </a:innerShdw>
+      </a:effectLst>
+      <a:scene3d>
+        <a:camera prst="orthographicFront"/>
+        <a:lightRig rig="threePt" dir="t"/>
+      </a:scene3d>
+      <a:sp3d contourW="19050" prstMaterial="flat">
+        <a:contourClr>
+          <a:schemeClr val="accent4">
+            <a:lumMod val="75000"/>
+          </a:schemeClr>
+        </a:contourClr>
+      </a:sp3d>
+    </cs:spPr>
+  </cs:dataPoint3D>
+  <cs:dataPointLine>
+    <cs:lnRef idx="0">
+      <cs:styleClr val="auto"/>
+    </cs:lnRef>
+    <cs:fillRef idx="0"/>
+    <cs:effectRef idx="0"/>
+    <cs:fontRef idx="minor">
+      <a:schemeClr val="tx1"/>
+    </cs:fontRef>
+    <cs:spPr>
+      <a:ln w="28575" cap="rnd">
+        <a:solidFill>
+          <a:schemeClr val="phClr"/>
+        </a:solidFill>
+        <a:round/>
+      </a:ln>
+    </cs:spPr>
+  </cs:dataPointLine>
+  <cs:dataPointMarker>
+    <cs:lnRef idx="0"/>
+    <cs:fillRef idx="0">
+      <cs:styleClr val="auto"/>
+    </cs:fillRef>
+    <cs:effectRef idx="0"/>
+    <cs:fontRef idx="minor">
+      <a:schemeClr val="tx1"/>
+    </cs:fontRef>
+    <cs:spPr>
+      <a:solidFill>
+        <a:schemeClr val="phClr"/>
+      </a:solidFill>
+      <a:ln w="9525">
+        <a:solidFill>
+          <a:schemeClr val="lt1"/>
+        </a:solidFill>
+      </a:ln>
+    </cs:spPr>
+  </cs:dataPointMarker>
+  <cs:dataPointMarkerLayout symbol="circle" size="6"/>
+  <cs:dataPointWireframe>
+    <cs:lnRef idx="0">
+      <cs:styleClr val="auto"/>
+    </cs:lnRef>
+    <cs:fillRef idx="0"/>
+    <cs:effectRef idx="0"/>
+    <cs:fontRef idx="minor">
+      <a:schemeClr val="tx1"/>
+    </cs:fontRef>
+    <cs:spPr>
+      <a:ln w="9525" cap="rnd">
+        <a:solidFill>
+          <a:schemeClr val="phClr"/>
+        </a:solidFill>
+        <a:round/>
+      </a:ln>
+    </cs:spPr>
+  </cs:dataPointWireframe>
+  <cs:dataTable>
+    <cs:lnRef idx="0"/>
+    <cs:fillRef idx="0"/>
+    <cs:effectRef idx="0"/>
+    <cs:fontRef idx="minor">
+      <a:schemeClr val="tx1">
+        <a:lumMod val="65000"/>
+        <a:lumOff val="35000"/>
+      </a:schemeClr>
+    </cs:fontRef>
+    <cs:spPr>
+      <a:ln w="9525">
+        <a:solidFill>
+          <a:schemeClr val="tx1">
+            <a:lumMod val="15000"/>
+            <a:lumOff val="85000"/>
+          </a:schemeClr>
+        </a:solidFill>
+      </a:ln>
+    </cs:spPr>
+    <cs:defRPr sz="1197" kern="1200"/>
+  </cs:dataTable>
+  <cs:downBar>
+    <cs:lnRef idx="0"/>
+    <cs:fillRef idx="0"/>
+    <cs:effectRef idx="0"/>
+    <cs:fontRef idx="minor">
+      <a:schemeClr val="dk1"/>
+    </cs:fontRef>
+    <cs:spPr>
+      <a:solidFill>
+        <a:schemeClr val="dk1">
+          <a:lumMod val="75000"/>
+          <a:lumOff val="25000"/>
+        </a:schemeClr>
+      </a:solidFill>
+      <a:ln w="9525">
+        <a:solidFill>
+          <a:schemeClr val="tx1">
+            <a:lumMod val="65000"/>
+            <a:lumOff val="35000"/>
+          </a:schemeClr>
+        </a:solidFill>
+      </a:ln>
+    </cs:spPr>
+  </cs:downBar>
+  <cs:dropLine>
+    <cs:lnRef idx="0"/>
+    <cs:fillRef idx="0"/>
+    <cs:effectRef idx="0"/>
+    <cs:fontRef idx="minor">
+      <a:schemeClr val="dk1"/>
+    </cs:fontRef>
+    <cs:spPr>
+      <a:ln w="9525">
+        <a:solidFill>
+          <a:schemeClr val="tx1">
+            <a:lumMod val="35000"/>
+            <a:lumOff val="65000"/>
+          </a:schemeClr>
+        </a:solidFill>
+        <a:round/>
+      </a:ln>
+    </cs:spPr>
+  </cs:dropLine>
+  <cs:errorBar>
+    <cs:lnRef idx="0"/>
+    <cs:fillRef idx="0"/>
+    <cs:effectRef idx="0"/>
+    <cs:fontRef idx="minor">
+      <a:schemeClr val="dk1"/>
+    </cs:fontRef>
+    <cs:spPr>
+      <a:ln w="9525">
+        <a:solidFill>
+          <a:schemeClr val="tx1">
+            <a:lumMod val="65000"/>
+            <a:lumOff val="35000"/>
+          </a:schemeClr>
+        </a:solidFill>
+        <a:round/>
+      </a:ln>
+    </cs:spPr>
+  </cs:errorBar>
+  <cs:floor>
+    <cs:lnRef idx="0"/>
+    <cs:fillRef idx="0"/>
+    <cs:effectRef idx="0"/>
+    <cs:fontRef idx="minor">
+      <a:schemeClr val="dk1"/>
+    </cs:fontRef>
+  </cs:floor>
+  <cs:gridlineMajor>
+    <cs:lnRef idx="0"/>
+    <cs:fillRef idx="0"/>
+    <cs:effectRef idx="0"/>
+    <cs:fontRef idx="minor">
+      <a:schemeClr val="dk1"/>
+    </cs:fontRef>
+    <cs:spPr>
+      <a:ln w="9525" cap="flat" cmpd="sng" algn="ctr">
+        <a:solidFill>
+          <a:schemeClr val="tx1">
+            <a:lumMod val="5000"/>
+            <a:lumOff val="95000"/>
+          </a:schemeClr>
+        </a:solidFill>
+        <a:round/>
+      </a:ln>
+    </cs:spPr>
+  </cs:gridlineMajor>
+  <cs:gridlineMinor>
+    <cs:lnRef idx="0"/>
+    <cs:fillRef idx="0"/>
+    <cs:effectRef idx="0"/>
+    <cs:fontRef idx="minor">
+      <a:schemeClr val="dk1"/>
+    </cs:fontRef>
+    <cs:spPr>
+      <a:ln>
+        <a:solidFill>
+          <a:schemeClr val="tx1">
+            <a:lumMod val="5000"/>
+            <a:lumOff val="95000"/>
+          </a:schemeClr>
+        </a:solidFill>
+      </a:ln>
+    </cs:spPr>
+  </cs:gridlineMinor>
+  <cs:hiLoLine>
+    <cs:lnRef idx="0"/>
+    <cs:fillRef idx="0"/>
+    <cs:effectRef idx="0"/>
+    <cs:fontRef idx="minor">
+      <a:schemeClr val="dk1"/>
+    </cs:fontRef>
+    <cs:spPr>
+      <a:ln w="9525">
+        <a:solidFill>
+          <a:schemeClr val="tx1">
+            <a:lumMod val="35000"/>
+            <a:lumOff val="65000"/>
+          </a:schemeClr>
+        </a:solidFill>
+        <a:round/>
+      </a:ln>
+    </cs:spPr>
+  </cs:hiLoLine>
+  <cs:leaderLine>
+    <cs:lnRef idx="0"/>
+    <cs:fillRef idx="0"/>
+    <cs:effectRef idx="0"/>
+    <cs:fontRef idx="minor">
+      <a:schemeClr val="dk1"/>
+    </cs:fontRef>
+    <cs:spPr>
+      <a:ln w="9525">
+        <a:solidFill>
+          <a:schemeClr val="tx1">
+            <a:lumMod val="35000"/>
+            <a:lumOff val="65000"/>
+          </a:schemeClr>
+        </a:solidFill>
+      </a:ln>
+    </cs:spPr>
+  </cs:leaderLine>
+  <cs:legend>
+    <cs:lnRef idx="0"/>
+    <cs:fillRef idx="0"/>
+    <cs:effectRef idx="0"/>
+    <cs:fontRef idx="minor">
+      <a:schemeClr val="tx1">
+        <a:lumMod val="50000"/>
+        <a:lumOff val="50000"/>
+      </a:schemeClr>
+    </cs:fontRef>
+    <cs:defRPr sz="1197" kern="1200"/>
+  </cs:legend>
+  <cs:plotArea mods="allowNoFillOverride allowNoLineOverride">
+    <cs:lnRef idx="0"/>
+    <cs:fillRef idx="0"/>
+    <cs:effectRef idx="0"/>
+    <cs:fontRef idx="minor">
+      <a:schemeClr val="tx1"/>
+    </cs:fontRef>
+  </cs:plotArea>
+  <cs:plotArea3D mods="allowNoFillOverride allowNoLineOverride">
+    <cs:lnRef idx="0"/>
+    <cs:fillRef idx="0"/>
+    <cs:effectRef idx="0"/>
+    <cs:fontRef idx="minor">
+      <a:schemeClr val="tx1"/>
+    </cs:fontRef>
+  </cs:plotArea3D>
+  <cs:seriesAxis>
+    <cs:lnRef idx="0"/>
+    <cs:fillRef idx="0"/>
+    <cs:effectRef idx="0"/>
+    <cs:fontRef idx="minor">
+      <a:schemeClr val="tx1">
+        <a:lumMod val="65000"/>
+        <a:lumOff val="35000"/>
+      </a:schemeClr>
+    </cs:fontRef>
+    <cs:defRPr sz="1197" kern="1200"/>
+  </cs:seriesAxis>
+  <cs:seriesLine>
+    <cs:lnRef idx="0"/>
+    <cs:fillRef idx="0"/>
+    <cs:effectRef idx="0"/>
+    <cs:fontRef idx="minor">
+      <a:schemeClr val="dk1"/>
+    </cs:fontRef>
+    <cs:spPr>
+      <a:ln w="9525">
+        <a:solidFill>
+          <a:schemeClr val="tx1">
+            <a:lumMod val="35000"/>
+            <a:lumOff val="65000"/>
+          </a:schemeClr>
+        </a:solidFill>
+        <a:round/>
+      </a:ln>
+    </cs:spPr>
+  </cs:seriesLine>
+  <cs:title>
+    <cs:lnRef idx="0"/>
+    <cs:fillRef idx="0"/>
+    <cs:effectRef idx="0"/>
+    <cs:fontRef idx="minor">
+      <a:schemeClr val="tx1">
+        <a:lumMod val="65000"/>
+        <a:lumOff val="35000"/>
+      </a:schemeClr>
+    </cs:fontRef>
+    <cs:defRPr sz="2200" b="1" kern="1200" cap="all" baseline="0"/>
+  </cs:title>
+  <cs:trendline>
+    <cs:lnRef idx="0">
+      <cs:styleClr val="auto"/>
+    </cs:lnRef>
+    <cs:fillRef idx="0"/>
+    <cs:effectRef idx="0"/>
+    <cs:fontRef idx="minor">
+      <a:schemeClr val="dk1"/>
+    </cs:fontRef>
+    <cs:spPr>
+      <a:ln w="15875" cap="rnd">
+        <a:solidFill>
+          <a:schemeClr val="phClr"/>
+        </a:solidFill>
+      </a:ln>
+    </cs:spPr>
+  </cs:trendline>
+  <cs:trendlineLabel>
+    <cs:lnRef idx="0"/>
+    <cs:fillRef idx="0"/>
+    <cs:effectRef idx="0"/>
+    <cs:fontRef idx="minor">
+      <a:schemeClr val="tx1">
+        <a:lumMod val="65000"/>
+        <a:lumOff val="35000"/>
+      </a:schemeClr>
+    </cs:fontRef>
+    <cs:defRPr sz="1197" kern="1200"/>
+  </cs:trendlineLabel>
+  <cs:upBar>
+    <cs:lnRef idx="0"/>
+    <cs:fillRef idx="0"/>
+    <cs:effectRef idx="0"/>
+    <cs:fontRef idx="minor">
+      <a:schemeClr val="dk1"/>
+    </cs:fontRef>
+    <cs:spPr>
+      <a:solidFill>
+        <a:schemeClr val="lt1"/>
+      </a:solidFill>
+      <a:ln w="9525">
+        <a:solidFill>
+          <a:schemeClr val="tx1">
+            <a:lumMod val="65000"/>
+            <a:lumOff val="35000"/>
+          </a:schemeClr>
+        </a:solidFill>
+      </a:ln>
+    </cs:spPr>
+  </cs:upBar>
+  <cs:valueAxis>
+    <cs:lnRef idx="0"/>
+    <cs:fillRef idx="0"/>
+    <cs:effectRef idx="0"/>
+    <cs:fontRef idx="minor">
+      <a:schemeClr val="tx1">
+        <a:lumMod val="65000"/>
+        <a:lumOff val="35000"/>
+      </a:schemeClr>
+    </cs:fontRef>
+    <cs:defRPr sz="1197" kern="1200" spc="20" baseline="0"/>
+  </cs:valueAxis>
+  <cs:wall>
+    <cs:lnRef idx="0"/>
+    <cs:fillRef idx="0"/>
+    <cs:effectRef idx="0"/>
+    <cs:fontRef idx="minor">
+      <a:schemeClr val="dk1"/>
+    </cs:fontRef>
+  </cs:wall>
+</cs:chartStyle>
 </file>
 
 <file path=ppt/slideLayouts/slideLayout1.xml><?xml version="1.0" encoding="utf-8"?>
@@ -7456,7 +8403,7 @@
           <a:lstStyle/>
           <a:p>
             <a:r>
-              <a:rPr lang="ko-KR" altLang="en-US" sz="3200" smtClean="0"/>
+              <a:rPr lang="ko-KR" altLang="en-US" sz="3200" dirty="0" smtClean="0"/>
               <a:t>제안 배경</a:t>
             </a:r>
             <a:endParaRPr lang="ko-KR" altLang="en-US" sz="3200" dirty="0"/>
@@ -7824,6 +8771,54 @@
           </a:p>
         </p:txBody>
       </p:sp>
+      <p:sp>
+        <p:nvSpPr>
+          <p:cNvPr id="45" name="모서리가 둥근 직사각형 44"/>
+          <p:cNvSpPr/>
+          <p:nvPr/>
+        </p:nvSpPr>
+        <p:spPr>
+          <a:xfrm>
+            <a:off x="916179" y="5438933"/>
+            <a:ext cx="2989072" cy="951468"/>
+          </a:xfrm>
+          <a:prstGeom prst="roundRect">
+            <a:avLst/>
+          </a:prstGeom>
+          <a:solidFill>
+            <a:schemeClr val="bg1"/>
+          </a:solidFill>
+          <a:ln>
+            <a:solidFill>
+              <a:schemeClr val="tx1"/>
+            </a:solidFill>
+          </a:ln>
+        </p:spPr>
+        <p:style>
+          <a:lnRef idx="2">
+            <a:schemeClr val="accent1">
+              <a:shade val="50000"/>
+            </a:schemeClr>
+          </a:lnRef>
+          <a:fillRef idx="1">
+            <a:schemeClr val="accent1"/>
+          </a:fillRef>
+          <a:effectRef idx="0">
+            <a:schemeClr val="accent1"/>
+          </a:effectRef>
+          <a:fontRef idx="minor">
+            <a:schemeClr val="lt1"/>
+          </a:fontRef>
+        </p:style>
+        <p:txBody>
+          <a:bodyPr rtlCol="0" anchor="ctr"/>
+          <a:lstStyle/>
+          <a:p>
+            <a:pPr algn="ctr"/>
+            <a:endParaRPr lang="ko-KR" altLang="en-US" dirty="0"/>
+          </a:p>
+        </p:txBody>
+      </p:sp>
       <p:grpSp>
         <p:nvGrpSpPr>
           <p:cNvPr id="12" name="그룹 11"/>
@@ -8051,13 +9046,15 @@
         </p:nvSpPr>
         <p:spPr>
           <a:xfrm>
-            <a:off x="1187665" y="2378770"/>
-            <a:ext cx="2525916" cy="3758647"/>
+            <a:off x="916178" y="2378771"/>
+            <a:ext cx="2989072" cy="3006029"/>
           </a:xfrm>
           <a:prstGeom prst="roundRect">
             <a:avLst/>
           </a:prstGeom>
-          <a:noFill/>
+          <a:solidFill>
+            <a:schemeClr val="bg1"/>
+          </a:solidFill>
           <a:ln>
             <a:solidFill>
               <a:schemeClr val="tx1"/>
@@ -8097,8 +9094,8 @@
         </p:nvSpPr>
         <p:spPr>
           <a:xfrm>
-            <a:off x="1187666" y="1798174"/>
-            <a:ext cx="2525916" cy="465513"/>
+            <a:off x="1242417" y="1788167"/>
+            <a:ext cx="2474346" cy="465513"/>
           </a:xfrm>
           <a:prstGeom prst="flowChartTerminator">
             <a:avLst/>
@@ -8134,7 +9131,7 @@
           <a:p>
             <a:pPr algn="ctr"/>
             <a:r>
-              <a:rPr lang="ko-KR" altLang="en-US" sz="1600" b="1" dirty="0" smtClean="0">
+              <a:rPr lang="ko-KR" altLang="en-US" sz="1600" b="1" smtClean="0">
                 <a:solidFill>
                   <a:schemeClr val="tx1"/>
                 </a:solidFill>
@@ -8149,21 +9146,332 @@
           </a:p>
         </p:txBody>
       </p:sp>
+      <p:pic>
+        <p:nvPicPr>
+          <p:cNvPr id="8" name="그림 7"/>
+          <p:cNvPicPr>
+            <a:picLocks noChangeAspect="1"/>
+          </p:cNvPicPr>
+          <p:nvPr/>
+        </p:nvPicPr>
+        <p:blipFill>
+          <a:blip r:embed="rId6"/>
+          <a:stretch>
+            <a:fillRect/>
+          </a:stretch>
+        </p:blipFill>
+        <p:spPr>
+          <a:xfrm>
+            <a:off x="1311205" y="2584828"/>
+            <a:ext cx="2336771" cy="611080"/>
+          </a:xfrm>
+          <a:prstGeom prst="rect">
+            <a:avLst/>
+          </a:prstGeom>
+        </p:spPr>
+      </p:pic>
+      <p:pic>
+        <p:nvPicPr>
+          <p:cNvPr id="9" name="그림 8"/>
+          <p:cNvPicPr>
+            <a:picLocks noChangeAspect="1"/>
+          </p:cNvPicPr>
+          <p:nvPr/>
+        </p:nvPicPr>
+        <p:blipFill>
+          <a:blip r:embed="rId7"/>
+          <a:stretch>
+            <a:fillRect/>
+          </a:stretch>
+        </p:blipFill>
+        <p:spPr>
+          <a:xfrm>
+            <a:off x="1484050" y="3254163"/>
+            <a:ext cx="799829" cy="760713"/>
+          </a:xfrm>
+          <a:prstGeom prst="rect">
+            <a:avLst/>
+          </a:prstGeom>
+        </p:spPr>
+      </p:pic>
+      <p:pic>
+        <p:nvPicPr>
+          <p:cNvPr id="10" name="그림 9"/>
+          <p:cNvPicPr>
+            <a:picLocks noChangeAspect="1"/>
+          </p:cNvPicPr>
+          <p:nvPr/>
+        </p:nvPicPr>
+        <p:blipFill>
+          <a:blip r:embed="rId8"/>
+          <a:stretch>
+            <a:fillRect/>
+          </a:stretch>
+        </p:blipFill>
+        <p:spPr>
+          <a:xfrm>
+            <a:off x="2597197" y="3254163"/>
+            <a:ext cx="851784" cy="760713"/>
+          </a:xfrm>
+          <a:prstGeom prst="rect">
+            <a:avLst/>
+          </a:prstGeom>
+        </p:spPr>
+      </p:pic>
+      <p:pic>
+        <p:nvPicPr>
+          <p:cNvPr id="28" name="그림 27"/>
+          <p:cNvPicPr>
+            <a:picLocks noChangeAspect="1"/>
+          </p:cNvPicPr>
+          <p:nvPr/>
+        </p:nvPicPr>
+        <p:blipFill>
+          <a:blip r:embed="rId9"/>
+          <a:stretch>
+            <a:fillRect/>
+          </a:stretch>
+        </p:blipFill>
+        <p:spPr>
+          <a:xfrm>
+            <a:off x="1453884" y="4065537"/>
+            <a:ext cx="1929048" cy="798813"/>
+          </a:xfrm>
+          <a:prstGeom prst="rect">
+            <a:avLst/>
+          </a:prstGeom>
+        </p:spPr>
+      </p:pic>
+      <p:pic>
+        <p:nvPicPr>
+          <p:cNvPr id="29" name="그림 28"/>
+          <p:cNvPicPr>
+            <a:picLocks noChangeAspect="1"/>
+          </p:cNvPicPr>
+          <p:nvPr/>
+        </p:nvPicPr>
+        <p:blipFill>
+          <a:blip r:embed="rId10"/>
+          <a:stretch>
+            <a:fillRect/>
+          </a:stretch>
+        </p:blipFill>
+        <p:spPr>
+          <a:xfrm>
+            <a:off x="1511963" y="4888394"/>
+            <a:ext cx="1276084" cy="435846"/>
+          </a:xfrm>
+          <a:prstGeom prst="rect">
+            <a:avLst/>
+          </a:prstGeom>
+        </p:spPr>
+      </p:pic>
+      <p:grpSp>
+        <p:nvGrpSpPr>
+          <p:cNvPr id="36" name="그룹 35"/>
+          <p:cNvGrpSpPr/>
+          <p:nvPr/>
+        </p:nvGrpSpPr>
+        <p:grpSpPr>
+          <a:xfrm>
+            <a:off x="784473" y="4747202"/>
+            <a:ext cx="1681019" cy="1687309"/>
+            <a:chOff x="822036" y="4689565"/>
+            <a:chExt cx="1839826" cy="1791345"/>
+          </a:xfrm>
+        </p:grpSpPr>
+        <p:graphicFrame>
+          <p:nvGraphicFramePr>
+            <p:cNvPr id="34" name="차트 33"/>
+            <p:cNvGraphicFramePr/>
+            <p:nvPr>
+              <p:extLst>
+                <p:ext uri="{D42A27DB-BD31-4B8C-83A1-F6EECF244321}">
+                  <p14:modId xmlns:p14="http://schemas.microsoft.com/office/powerpoint/2010/main" val="1734228960"/>
+                </p:ext>
+              </p:extLst>
+            </p:nvPr>
+          </p:nvGraphicFramePr>
+          <p:xfrm>
+            <a:off x="822036" y="4689565"/>
+            <a:ext cx="1775161" cy="1619107"/>
+          </p:xfrm>
+          <a:graphic>
+            <a:graphicData uri="http://schemas.openxmlformats.org/drawingml/2006/chart">
+              <c:chart xmlns:c="http://schemas.openxmlformats.org/drawingml/2006/chart" xmlns:r="http://schemas.openxmlformats.org/officeDocument/2006/relationships" r:id="rId11"/>
+            </a:graphicData>
+          </a:graphic>
+        </p:graphicFrame>
+        <p:sp>
+          <p:nvSpPr>
+            <p:cNvPr id="35" name="TextBox 34"/>
+            <p:cNvSpPr txBox="1"/>
+            <p:nvPr/>
+          </p:nvSpPr>
+          <p:spPr>
+            <a:xfrm>
+              <a:off x="1106065" y="6219507"/>
+              <a:ext cx="1555797" cy="261403"/>
+            </a:xfrm>
+            <a:prstGeom prst="rect">
+              <a:avLst/>
+            </a:prstGeom>
+            <a:noFill/>
+          </p:spPr>
+          <p:txBody>
+            <a:bodyPr wrap="square" rtlCol="0">
+              <a:spAutoFit/>
+            </a:bodyPr>
+            <a:lstStyle/>
+            <a:p>
+              <a:r>
+                <a:rPr lang="ko-KR" altLang="en-US" sz="1000" b="1" dirty="0" smtClean="0"/>
+                <a:t>탐색적 데이터 분석</a:t>
+              </a:r>
+              <a:endParaRPr lang="ko-KR" altLang="en-US" sz="1000" b="1" dirty="0"/>
+            </a:p>
+          </p:txBody>
+        </p:sp>
+      </p:grpSp>
+      <p:cxnSp>
+        <p:nvCxnSpPr>
+          <p:cNvPr id="38" name="직선 연결선 37"/>
+          <p:cNvCxnSpPr/>
+          <p:nvPr/>
+        </p:nvCxnSpPr>
+        <p:spPr>
+          <a:xfrm flipH="1">
+            <a:off x="2418020" y="5590857"/>
+            <a:ext cx="388" cy="744872"/>
+          </a:xfrm>
+          <a:prstGeom prst="line">
+            <a:avLst/>
+          </a:prstGeom>
+          <a:ln w="28575">
+            <a:solidFill>
+              <a:schemeClr val="tx1"/>
+            </a:solidFill>
+            <a:prstDash val="sysDot"/>
+          </a:ln>
+        </p:spPr>
+        <p:style>
+          <a:lnRef idx="1">
+            <a:schemeClr val="dk1"/>
+          </a:lnRef>
+          <a:fillRef idx="0">
+            <a:schemeClr val="dk1"/>
+          </a:fillRef>
+          <a:effectRef idx="0">
+            <a:schemeClr val="dk1"/>
+          </a:effectRef>
+          <a:fontRef idx="minor">
+            <a:schemeClr val="tx1"/>
+          </a:fontRef>
+        </p:style>
+      </p:cxnSp>
+      <p:grpSp>
+        <p:nvGrpSpPr>
+          <p:cNvPr id="41" name="그룹 40"/>
+          <p:cNvGrpSpPr/>
+          <p:nvPr/>
+        </p:nvGrpSpPr>
+        <p:grpSpPr>
+          <a:xfrm>
+            <a:off x="2635931" y="5509739"/>
+            <a:ext cx="1051796" cy="924771"/>
+            <a:chOff x="2539383" y="5509739"/>
+            <a:chExt cx="1051796" cy="924771"/>
+          </a:xfrm>
+        </p:grpSpPr>
+        <p:pic>
+          <p:nvPicPr>
+            <p:cNvPr id="1028" name="Picture 4" descr="https://media.istockphoto.com/id/1303877287/ko/%EB%B2%A1%ED%84%B0/%EC%A2%85%EC%9D%B4-%EC%B2%B4%ED%81%AC%EB%A6%AC%EC%8A%A4%ED%8A%B8-%EB%B0%8F-%EC%97%B0%ED%95%84-%ED%94%8C%EB%9E%AB-%ED%94%BD%ED%86%A0%EA%B7%B8%EB%9E%A8.jpg?s=612x612&amp;w=0&amp;k=20&amp;c=Q2dxSujfCDkZGd_c-4j508k_-rjUEOD-J3MR8bYDQCM="/>
+            <p:cNvPicPr>
+              <a:picLocks noChangeAspect="1" noChangeArrowheads="1"/>
+            </p:cNvPicPr>
+            <p:nvPr/>
+          </p:nvPicPr>
+          <p:blipFill>
+            <a:blip r:embed="rId12" cstate="hqprint">
+              <a:extLst>
+                <a:ext uri="{28A0092B-C50C-407E-A947-70E740481C1C}">
+                  <a14:useLocalDpi xmlns:a14="http://schemas.microsoft.com/office/drawing/2010/main" val="0"/>
+                </a:ext>
+              </a:extLst>
+            </a:blip>
+            <a:srcRect/>
+            <a:stretch>
+              <a:fillRect/>
+            </a:stretch>
+          </p:blipFill>
+          <p:spPr bwMode="auto">
+            <a:xfrm>
+              <a:off x="2722624" y="5509739"/>
+              <a:ext cx="685314" cy="685314"/>
+            </a:xfrm>
+            <a:prstGeom prst="rect">
+              <a:avLst/>
+            </a:prstGeom>
+            <a:noFill/>
+            <a:extLst>
+              <a:ext uri="{909E8E84-426E-40DD-AFC4-6F175D3DCCD1}">
+                <a14:hiddenFill xmlns:a14="http://schemas.microsoft.com/office/drawing/2010/main">
+                  <a:solidFill>
+                    <a:srgbClr val="FFFFFF"/>
+                  </a:solidFill>
+                </a14:hiddenFill>
+              </a:ext>
+            </a:extLst>
+          </p:spPr>
+        </p:pic>
+        <p:sp>
+          <p:nvSpPr>
+            <p:cNvPr id="43" name="TextBox 42"/>
+            <p:cNvSpPr txBox="1"/>
+            <p:nvPr/>
+          </p:nvSpPr>
+          <p:spPr>
+            <a:xfrm>
+              <a:off x="2539383" y="6188289"/>
+              <a:ext cx="1051796" cy="246221"/>
+            </a:xfrm>
+            <a:prstGeom prst="rect">
+              <a:avLst/>
+            </a:prstGeom>
+            <a:noFill/>
+          </p:spPr>
+          <p:txBody>
+            <a:bodyPr wrap="square" rtlCol="0">
+              <a:spAutoFit/>
+            </a:bodyPr>
+            <a:lstStyle/>
+            <a:p>
+              <a:r>
+                <a:rPr lang="ko-KR" altLang="en-US" sz="1000" b="1" dirty="0" smtClean="0"/>
+                <a:t>분석 과제 선정</a:t>
+              </a:r>
+              <a:endParaRPr lang="ko-KR" altLang="en-US" sz="1000" b="1" dirty="0"/>
+            </a:p>
+          </p:txBody>
+        </p:sp>
+      </p:grpSp>
       <p:sp>
         <p:nvSpPr>
-          <p:cNvPr id="24" name="모서리가 둥근 직사각형 23"/>
+          <p:cNvPr id="47" name="모서리가 둥근 직사각형 46"/>
           <p:cNvSpPr/>
           <p:nvPr/>
         </p:nvSpPr>
         <p:spPr>
           <a:xfrm>
-            <a:off x="4773221" y="2378770"/>
-            <a:ext cx="2525916" cy="3758647"/>
+            <a:off x="4821428" y="2378771"/>
+            <a:ext cx="2989072" cy="3006029"/>
           </a:xfrm>
           <a:prstGeom prst="roundRect">
             <a:avLst/>
           </a:prstGeom>
-          <a:noFill/>
+          <a:solidFill>
+            <a:schemeClr val="bg1"/>
+          </a:solidFill>
           <a:ln>
             <a:solidFill>
               <a:schemeClr val="tx1"/>
@@ -8197,14 +9505,14 @@
       </p:sp>
       <p:sp>
         <p:nvSpPr>
-          <p:cNvPr id="25" name="순서도: 수행의 시작/종료 24"/>
+          <p:cNvPr id="48" name="순서도: 수행의 시작/종료 47"/>
           <p:cNvSpPr/>
           <p:nvPr/>
         </p:nvSpPr>
         <p:spPr>
           <a:xfrm>
-            <a:off x="4773222" y="1798174"/>
-            <a:ext cx="2525916" cy="465513"/>
+            <a:off x="5078791" y="1788167"/>
+            <a:ext cx="2474346" cy="465513"/>
           </a:xfrm>
           <a:prstGeom prst="flowChartTerminator">
             <a:avLst/>
@@ -8240,118 +9548,12 @@
           <a:p>
             <a:pPr algn="ctr"/>
             <a:r>
-              <a:rPr lang="ko-KR" altLang="en-US" sz="1600" b="1" dirty="0" smtClean="0">
+              <a:rPr lang="ko-KR" altLang="en-US" sz="1600" b="1" smtClean="0">
                 <a:solidFill>
                   <a:schemeClr val="tx1"/>
                 </a:solidFill>
               </a:rPr>
-              <a:t>데이터 시각화</a:t>
-            </a:r>
-            <a:endParaRPr lang="ko-KR" altLang="en-US" sz="1600" b="1" dirty="0">
-              <a:solidFill>
-                <a:schemeClr val="tx1"/>
-              </a:solidFill>
-            </a:endParaRPr>
-          </a:p>
-        </p:txBody>
-      </p:sp>
-      <p:sp>
-        <p:nvSpPr>
-          <p:cNvPr id="26" name="모서리가 둥근 직사각형 25"/>
-          <p:cNvSpPr/>
-          <p:nvPr/>
-        </p:nvSpPr>
-        <p:spPr>
-          <a:xfrm>
-            <a:off x="8358777" y="2378770"/>
-            <a:ext cx="2525916" cy="3758647"/>
-          </a:xfrm>
-          <a:prstGeom prst="roundRect">
-            <a:avLst/>
-          </a:prstGeom>
-          <a:noFill/>
-          <a:ln>
-            <a:solidFill>
-              <a:schemeClr val="tx1"/>
-            </a:solidFill>
-          </a:ln>
-        </p:spPr>
-        <p:style>
-          <a:lnRef idx="2">
-            <a:schemeClr val="accent1">
-              <a:shade val="50000"/>
-            </a:schemeClr>
-          </a:lnRef>
-          <a:fillRef idx="1">
-            <a:schemeClr val="accent1"/>
-          </a:fillRef>
-          <a:effectRef idx="0">
-            <a:schemeClr val="accent1"/>
-          </a:effectRef>
-          <a:fontRef idx="minor">
-            <a:schemeClr val="lt1"/>
-          </a:fontRef>
-        </p:style>
-        <p:txBody>
-          <a:bodyPr rtlCol="0" anchor="ctr"/>
-          <a:lstStyle/>
-          <a:p>
-            <a:pPr algn="ctr"/>
-            <a:endParaRPr lang="ko-KR" altLang="en-US" dirty="0"/>
-          </a:p>
-        </p:txBody>
-      </p:sp>
-      <p:sp>
-        <p:nvSpPr>
-          <p:cNvPr id="27" name="순서도: 수행의 시작/종료 26"/>
-          <p:cNvSpPr/>
-          <p:nvPr/>
-        </p:nvSpPr>
-        <p:spPr>
-          <a:xfrm>
-            <a:off x="8358778" y="1798174"/>
-            <a:ext cx="2525916" cy="465513"/>
-          </a:xfrm>
-          <a:prstGeom prst="flowChartTerminator">
-            <a:avLst/>
-          </a:prstGeom>
-          <a:solidFill>
-            <a:schemeClr val="bg1"/>
-          </a:solidFill>
-          <a:ln>
-            <a:solidFill>
-              <a:schemeClr val="tx1"/>
-            </a:solidFill>
-          </a:ln>
-        </p:spPr>
-        <p:style>
-          <a:lnRef idx="2">
-            <a:schemeClr val="accent1">
-              <a:shade val="50000"/>
-            </a:schemeClr>
-          </a:lnRef>
-          <a:fillRef idx="1">
-            <a:schemeClr val="accent1"/>
-          </a:fillRef>
-          <a:effectRef idx="0">
-            <a:schemeClr val="accent1"/>
-          </a:effectRef>
-          <a:fontRef idx="minor">
-            <a:schemeClr val="lt1"/>
-          </a:fontRef>
-        </p:style>
-        <p:txBody>
-          <a:bodyPr rtlCol="0" anchor="ctr"/>
-          <a:lstStyle/>
-          <a:p>
-            <a:pPr algn="ctr"/>
-            <a:r>
-              <a:rPr lang="ko-KR" altLang="en-US" sz="1600" b="1" dirty="0" smtClean="0">
-                <a:solidFill>
-                  <a:schemeClr val="tx1"/>
-                </a:solidFill>
-              </a:rPr>
-              <a:t>과정 및 결론</a:t>
+              <a:t>데이터 수집 및 전처리</a:t>
             </a:r>
             <a:endParaRPr lang="ko-KR" altLang="en-US" sz="1600" b="1" dirty="0">
               <a:solidFill>
